--- a/History and future.pptx
+++ b/History and future.pptx
@@ -12,6 +12,7 @@
     <p:sldId id="260" r:id="rId6"/>
     <p:sldId id="261" r:id="rId7"/>
     <p:sldId id="262" r:id="rId8"/>
+    <p:sldId id="263" r:id="rId9"/>
   </p:sldIdLst>
   <p:sldSz cx="12192000" cy="6858000"/>
   <p:notesSz cx="6858000" cy="9144000"/>
@@ -110,6 +111,11 @@
       </a:defRPr>
     </a:lvl9pPr>
   </p:defaultTextStyle>
+  <p:extLst>
+    <p:ext uri="{EFAFB233-063F-42B5-8137-9DF3F51BA10A}">
+      <p15:sldGuideLst xmlns:p15="http://schemas.microsoft.com/office/powerpoint/2012/main"/>
+    </p:ext>
+  </p:extLst>
 </p:presentation>
 </file>
 
@@ -10585,9 +10591,7 @@
             <a:avLst/>
           </a:prstGeom>
           <a:solidFill>
-            <a:schemeClr val="bg1">
-              <a:lumMod val="75000"/>
-            </a:schemeClr>
+            <a:srgbClr val="C357FF"/>
           </a:solidFill>
           <a:ln>
             <a:noFill/>
@@ -10645,9 +10649,7 @@
             <a:avLst/>
           </a:prstGeom>
           <a:solidFill>
-            <a:schemeClr val="bg1">
-              <a:lumMod val="85000"/>
-            </a:schemeClr>
+            <a:srgbClr val="E4B3FF"/>
           </a:solidFill>
           <a:ln>
             <a:noFill/>
@@ -10699,9 +10701,7 @@
             <a:avLst/>
           </a:prstGeom>
           <a:solidFill>
-            <a:schemeClr val="bg1">
-              <a:lumMod val="95000"/>
-            </a:schemeClr>
+            <a:srgbClr val="DA97FF"/>
           </a:solidFill>
           <a:ln>
             <a:noFill/>
@@ -10852,6 +10852,11 @@
           <a:prstGeom prst="line">
             <a:avLst/>
           </a:prstGeom>
+          <a:ln>
+            <a:solidFill>
+              <a:srgbClr val="7030A0"/>
+            </a:solidFill>
+          </a:ln>
         </p:spPr>
         <p:style>
           <a:lnRef idx="3">
@@ -10931,6 +10936,11 @@
           <a:prstGeom prst="line">
             <a:avLst/>
           </a:prstGeom>
+          <a:ln>
+            <a:solidFill>
+              <a:srgbClr val="7030A0"/>
+            </a:solidFill>
+          </a:ln>
         </p:spPr>
         <p:style>
           <a:lnRef idx="3">
@@ -11010,6 +11020,11 @@
           <a:prstGeom prst="line">
             <a:avLst/>
           </a:prstGeom>
+          <a:ln>
+            <a:solidFill>
+              <a:srgbClr val="7030A0"/>
+            </a:solidFill>
+          </a:ln>
         </p:spPr>
         <p:style>
           <a:lnRef idx="3">
@@ -11138,6 +11153,9 @@
           <a:prstGeom prst="rect">
             <a:avLst/>
           </a:prstGeom>
+          <a:solidFill>
+            <a:srgbClr val="7030A0"/>
+          </a:solidFill>
           <a:ln>
             <a:noFill/>
           </a:ln>
@@ -11225,9 +11243,7 @@
             <a:avLst/>
           </a:prstGeom>
           <a:solidFill>
-            <a:schemeClr val="bg1">
-              <a:lumMod val="95000"/>
-            </a:schemeClr>
+            <a:srgbClr val="C357FF"/>
           </a:solidFill>
           <a:ln>
             <a:noFill/>
@@ -11279,9 +11295,7 @@
             <a:avLst/>
           </a:prstGeom>
           <a:solidFill>
-            <a:schemeClr val="bg1">
-              <a:lumMod val="65000"/>
-            </a:schemeClr>
+            <a:srgbClr val="D385FF"/>
           </a:solidFill>
           <a:ln>
             <a:noFill/>
@@ -11333,9 +11347,7 @@
             <a:avLst/>
           </a:prstGeom>
           <a:solidFill>
-            <a:schemeClr val="bg1">
-              <a:lumMod val="75000"/>
-            </a:schemeClr>
+            <a:srgbClr val="D385FF"/>
           </a:solidFill>
           <a:ln>
             <a:noFill/>
@@ -11387,9 +11399,7 @@
             <a:avLst/>
           </a:prstGeom>
           <a:solidFill>
-            <a:schemeClr val="bg1">
-              <a:lumMod val="85000"/>
-            </a:schemeClr>
+            <a:srgbClr val="E4B3FF"/>
           </a:solidFill>
           <a:ln>
             <a:noFill/>
@@ -11440,6 +11450,11 @@
           <a:prstGeom prst="line">
             <a:avLst/>
           </a:prstGeom>
+          <a:ln>
+            <a:solidFill>
+              <a:srgbClr val="7030A0"/>
+            </a:solidFill>
+          </a:ln>
         </p:spPr>
         <p:style>
           <a:lnRef idx="3">
@@ -11568,6 +11583,11 @@
           <a:prstGeom prst="line">
             <a:avLst/>
           </a:prstGeom>
+          <a:ln>
+            <a:solidFill>
+              <a:srgbClr val="7030A0"/>
+            </a:solidFill>
+          </a:ln>
         </p:spPr>
         <p:style>
           <a:lnRef idx="3">
@@ -11695,6 +11715,11 @@
           <a:prstGeom prst="line">
             <a:avLst/>
           </a:prstGeom>
+          <a:ln>
+            <a:solidFill>
+              <a:srgbClr val="7030A0"/>
+            </a:solidFill>
+          </a:ln>
         </p:spPr>
         <p:style>
           <a:lnRef idx="3">
@@ -11830,6 +11855,11 @@
           <a:prstGeom prst="line">
             <a:avLst/>
           </a:prstGeom>
+          <a:ln>
+            <a:solidFill>
+              <a:srgbClr val="7030A0"/>
+            </a:solidFill>
+          </a:ln>
         </p:spPr>
         <p:style>
           <a:lnRef idx="3">
@@ -11961,6 +11991,9 @@
           <a:prstGeom prst="rect">
             <a:avLst/>
           </a:prstGeom>
+          <a:solidFill>
+            <a:srgbClr val="7030A0"/>
+          </a:solidFill>
           <a:ln>
             <a:noFill/>
           </a:ln>
@@ -12048,9 +12081,7 @@
             <a:avLst/>
           </a:prstGeom>
           <a:solidFill>
-            <a:schemeClr val="bg1">
-              <a:lumMod val="75000"/>
-            </a:schemeClr>
+            <a:srgbClr val="D385FF"/>
           </a:solidFill>
           <a:ln>
             <a:noFill/>
@@ -12102,9 +12133,7 @@
             <a:avLst/>
           </a:prstGeom>
           <a:solidFill>
-            <a:schemeClr val="bg1">
-              <a:lumMod val="85000"/>
-            </a:schemeClr>
+            <a:srgbClr val="D385FF"/>
           </a:solidFill>
           <a:ln>
             <a:noFill/>
@@ -12156,9 +12185,7 @@
             <a:avLst/>
           </a:prstGeom>
           <a:solidFill>
-            <a:schemeClr val="bg1">
-              <a:lumMod val="65000"/>
-            </a:schemeClr>
+            <a:srgbClr val="E4B3FF"/>
           </a:solidFill>
           <a:ln>
             <a:noFill/>
@@ -12209,6 +12236,11 @@
           <a:prstGeom prst="line">
             <a:avLst/>
           </a:prstGeom>
+          <a:ln>
+            <a:solidFill>
+              <a:srgbClr val="7030A0"/>
+            </a:solidFill>
+          </a:ln>
         </p:spPr>
         <p:style>
           <a:lnRef idx="3">
@@ -12345,6 +12377,11 @@
           <a:prstGeom prst="line">
             <a:avLst/>
           </a:prstGeom>
+          <a:ln>
+            <a:solidFill>
+              <a:srgbClr val="7030A0"/>
+            </a:solidFill>
+          </a:ln>
         </p:spPr>
         <p:style>
           <a:lnRef idx="3">
@@ -12472,6 +12509,11 @@
           <a:prstGeom prst="line">
             <a:avLst/>
           </a:prstGeom>
+          <a:ln>
+            <a:solidFill>
+              <a:srgbClr val="7030A0"/>
+            </a:solidFill>
+          </a:ln>
         </p:spPr>
         <p:style>
           <a:lnRef idx="3">
@@ -12591,6 +12633,9 @@
           <a:prstGeom prst="rect">
             <a:avLst/>
           </a:prstGeom>
+          <a:solidFill>
+            <a:srgbClr val="7030A0"/>
+          </a:solidFill>
           <a:ln>
             <a:noFill/>
           </a:ln>
@@ -20771,6 +20816,399 @@
 </p:sld>
 </file>
 
+<file path=ppt/slides/slide8.xml><?xml version="1.0" encoding="utf-8"?>
+<p:sld xmlns:a="http://schemas.openxmlformats.org/drawingml/2006/main" xmlns:r="http://schemas.openxmlformats.org/officeDocument/2006/relationships" xmlns:p="http://schemas.openxmlformats.org/presentationml/2006/main">
+  <p:cSld>
+    <p:spTree>
+      <p:nvGrpSpPr>
+        <p:cNvPr id="1" name=""/>
+        <p:cNvGrpSpPr/>
+        <p:nvPr/>
+      </p:nvGrpSpPr>
+      <p:grpSpPr>
+        <a:xfrm>
+          <a:off x="0" y="0"/>
+          <a:ext cx="0" cy="0"/>
+          <a:chOff x="0" y="0"/>
+          <a:chExt cx="0" cy="0"/>
+        </a:xfrm>
+      </p:grpSpPr>
+      <p:sp>
+        <p:nvSpPr>
+          <p:cNvPr id="3" name="Content Placeholder 2">
+            <a:extLst>
+              <a:ext uri="{FF2B5EF4-FFF2-40B4-BE49-F238E27FC236}">
+                <a16:creationId xmlns:a16="http://schemas.microsoft.com/office/drawing/2014/main" id="{84F8BF43-A12A-4FB0-9871-4FFF0823E29D}"/>
+              </a:ext>
+            </a:extLst>
+          </p:cNvPr>
+          <p:cNvSpPr>
+            <a:spLocks noGrp="1"/>
+          </p:cNvSpPr>
+          <p:nvPr>
+            <p:ph idx="1"/>
+          </p:nvPr>
+        </p:nvSpPr>
+        <p:spPr>
+          <a:xfrm>
+            <a:off x="0" y="838899"/>
+            <a:ext cx="12080148" cy="5150840"/>
+          </a:xfrm>
+        </p:spPr>
+        <p:txBody>
+          <a:bodyPr>
+            <a:normAutofit fontScale="92500"/>
+          </a:bodyPr>
+          <a:lstStyle/>
+          <a:p>
+            <a:pPr algn="ctr"/>
+            <a:r>
+              <a:rPr lang="en-IE" sz="800" dirty="0"/>
+              <a:t>Stanley G. Weinbaum  </a:t>
+            </a:r>
+            <a:r>
+              <a:rPr lang="en-IE" sz="800" u="sng" dirty="0">
+                <a:hlinkClick r:id="rId2"/>
+              </a:rPr>
+              <a:t>https://www.google.com/search?q=pygmalion%E2%80%99s+spectacles&amp;sxsrf=ALeKk01a7pK4HXBOPvXfA8Zg3AfkuyJv_w:1589123546381&amp;source=lnms&amp;tbm=isch&amp;sa=X&amp;ved=2ahUKEwiT1fHDyqnpAhV2VRUIHZesCyIQ_AUoAXoECBoQAw&amp;biw=958&amp;bih=959#imgrc=YsNnQfLHxsEwhM</a:t>
+            </a:r>
+            <a:endParaRPr lang="en-IE" sz="800" dirty="0"/>
+          </a:p>
+          <a:p>
+            <a:pPr algn="ctr"/>
+            <a:r>
+              <a:rPr lang="en-IE" sz="800" dirty="0"/>
+              <a:t>Sensorama  </a:t>
+            </a:r>
+            <a:r>
+              <a:rPr lang="en-IE" sz="800" u="sng" dirty="0">
+                <a:hlinkClick r:id="rId3"/>
+              </a:rPr>
+              <a:t>https://www.google.com/search?q=sensorama&amp;sxsrf=ALeKk00COv-TSxlnbRj6Gt7RUQLmj-p6lA:1589123753305&amp;source=lnms&amp;tbm=isch&amp;sa=X&amp;ved=2ahUKEwi7isemy6npAhWBtXEKHQF3AFYQ_AUoAXoECBIQAw&amp;biw=958&amp;bih=910#imgrc=w6G4qZJxxiAuWM</a:t>
+            </a:r>
+            <a:endParaRPr lang="en-IE" sz="800" dirty="0"/>
+          </a:p>
+          <a:p>
+            <a:pPr marL="0" indent="0" algn="ctr">
+              <a:buNone/>
+            </a:pPr>
+            <a:r>
+              <a:rPr lang="en-IE" sz="800" u="sng" dirty="0">
+                <a:hlinkClick r:id="rId4"/>
+              </a:rPr>
+              <a:t>https://www.google.com/search?q=sensorama&amp;sxsrf=ALeKk00COv-TSxlnbRj6Gt7RUQLmj-p6lA:1589123753305&amp;source=lnms&amp;tbm=isch&amp;sa=X&amp;ved=2ahUKEwi7isemy6npAhWBtXEKHQF3AFYQ_AUoAXoECBIQAw&amp;biw=958&amp;bih=910#imgrc=2TYTPhQJ-tAl0M</a:t>
+            </a:r>
+            <a:endParaRPr lang="en-IE" sz="800" dirty="0"/>
+          </a:p>
+          <a:p>
+            <a:pPr algn="ctr"/>
+            <a:r>
+              <a:rPr lang="en-IE" sz="800" dirty="0"/>
+              <a:t>Swords of </a:t>
+            </a:r>
+            <a:r>
+              <a:rPr lang="en-IE" sz="800" dirty="0" err="1"/>
+              <a:t>democles</a:t>
+            </a:r>
+            <a:r>
+              <a:rPr lang="en-IE" sz="800" dirty="0"/>
+              <a:t> </a:t>
+            </a:r>
+            <a:r>
+              <a:rPr lang="en-IE" sz="800" u="sng" dirty="0">
+                <a:hlinkClick r:id="rId5"/>
+              </a:rPr>
+              <a:t>https://www.google.com/search?q=sword+of+damocles+vr+patent+&amp;tbm=isch&amp;ved=2ahUKEwilyvaczqnpAhV_QkEAHedKAZAQ2-cCegQIABAA&amp;oq=sword+of+damocles+vr+patent+&amp;gs_lcp=CgNpbWcQAzoECCMQJzoCCAA6BAgAEB5QoThYtEJgw0RoAHAAeACAAVyIAfkEkgEBOJgBAKABAaoBC2d3cy13aXotaW1n&amp;sclient=img&amp;ei=uh24XqWFGf-EhbIP55WFgAk&amp;bih=910&amp;biw=958#imgrc=pYBClm2IOJ-zAM</a:t>
+            </a:r>
+            <a:endParaRPr lang="en-IE" sz="800" dirty="0"/>
+          </a:p>
+          <a:p>
+            <a:pPr algn="ctr"/>
+            <a:r>
+              <a:rPr lang="en-IE" sz="800" dirty="0"/>
+              <a:t>the ultimate display </a:t>
+            </a:r>
+            <a:r>
+              <a:rPr lang="en-IE" sz="800" u="sng" dirty="0">
+                <a:hlinkClick r:id="rId6"/>
+              </a:rPr>
+              <a:t>https://www.google.com/search?q=the+ultimate+display&amp;tbm=isch&amp;ved=2ahUKEwj3tsuhzqnpAhVCnVwKHbIrCEYQ2-cCegQIABAA&amp;oq=the+ultimate+&amp;gs_lcp=CgNpbWcQARgAMgQIIxAnMgQIIxAnMgIIADICCAAyAggAMgIIADICCAAyAggAMgIIADICCAA6BAgAEEM6BQgAEIMBUPzMBFjD3ARgyegEaABwAHgAgAFiiAHUCJIBAjEzmAEAoAEBqgELZ3dzLXdpei1pbWc&amp;sclient=img&amp;ei=xB24XvfEC8K68gKy16CwBA&amp;bih=910&amp;biw=958#imgrc=ec7RyybZmswVEM</a:t>
+            </a:r>
+            <a:endParaRPr lang="en-IE" sz="800" dirty="0"/>
+          </a:p>
+          <a:p>
+            <a:pPr algn="ctr"/>
+            <a:r>
+              <a:rPr lang="en-IE" sz="800" dirty="0"/>
+              <a:t>Video Place </a:t>
+            </a:r>
+            <a:r>
+              <a:rPr lang="en-IE" sz="800" u="sng" dirty="0">
+                <a:hlinkClick r:id="rId7"/>
+              </a:rPr>
+              <a:t>https://www.google.com/search?q=video+place+myron&amp;hl=en&amp;sxsrf=ALeKk02R-9Yd-kt2oPVb7ImWoVAZ3SFPeQ:1589124890037&amp;source=lnms&amp;tbm=isch&amp;sa=X&amp;ved=2ahUKEwjuzcvEz6npAhU1RBUIHUmPDzIQ_AUoAXoECBAQAw&amp;biw=958&amp;bih=910#imgrc=F5HNjdkDIg8gEM</a:t>
+            </a:r>
+            <a:endParaRPr lang="en-IE" sz="800" dirty="0"/>
+          </a:p>
+          <a:p>
+            <a:pPr algn="ctr"/>
+            <a:r>
+              <a:rPr lang="en-IE" sz="800" dirty="0"/>
+              <a:t>Virtuality group  </a:t>
+            </a:r>
+            <a:r>
+              <a:rPr lang="en-IE" sz="800" u="sng" dirty="0">
+                <a:hlinkClick r:id="rId8"/>
+              </a:rPr>
+              <a:t>https://www.google.com/search?q=virtuality+group+arcade+machines&amp;sxsrf=ALeKk01XLBVjEy_W1w2zfJ1zkiVIfhWI7Q:1589125068947&amp;source=lnms&amp;tbm=isch&amp;sa=X&amp;ved=2ahUKEwiQtvOZ0KnpAhVoQxUIHY_BC-QQ_AUoAXoECBIQAw&amp;biw=958&amp;bih=910#imgrc=NKa14-O7DZRuaM</a:t>
+            </a:r>
+            <a:r>
+              <a:rPr lang="en-IE" sz="800" dirty="0"/>
+              <a:t> </a:t>
+            </a:r>
+          </a:p>
+          <a:p>
+            <a:pPr algn="ctr"/>
+            <a:r>
+              <a:rPr lang="en-IE" sz="800" dirty="0"/>
+              <a:t>virtual boy </a:t>
+            </a:r>
+            <a:r>
+              <a:rPr lang="en-IE" sz="800" u="sng" dirty="0">
+                <a:hlinkClick r:id="rId9"/>
+              </a:rPr>
+              <a:t>https://www.google.com/search?q=virtual+boy&amp;sxsrf=ALeKk00rbQoF5gFOu86C7gRWiMY68wIWPA:1589125161004&amp;source=lnms&amp;tbm=isch&amp;sa=X&amp;ved=2ahUKEwitoubF0KnpAhU2QRUIHbk0BicQ_AUoAXoECA4QAw&amp;biw=958&amp;bih=910#imgrc=TC2kVlkOpi0WWM</a:t>
+            </a:r>
+            <a:endParaRPr lang="en-IE" sz="800" dirty="0"/>
+          </a:p>
+          <a:p>
+            <a:pPr algn="ctr"/>
+            <a:r>
+              <a:rPr lang="en-IE" sz="800" dirty="0"/>
+              <a:t>the matrix </a:t>
+            </a:r>
+            <a:r>
+              <a:rPr lang="en-IE" sz="800" u="sng" dirty="0">
+                <a:hlinkClick r:id="rId10"/>
+              </a:rPr>
+              <a:t>https://www.google.com/search?q=matrix&amp;sxsrf=ALeKk03VAZ7W06kzZDgaGOInxw1t81XPJQ:1589125292296&amp;source=lnms&amp;tbm=isch&amp;sa=X&amp;ved=2ahUKEwiyzLOE0anpAhWuZxUIHZIqB3EQ_AUoAXoECCcQAw&amp;biw=958&amp;bih=910#imgrc=azv96f54k_36VM</a:t>
+            </a:r>
+            <a:endParaRPr lang="en-IE" sz="800" dirty="0"/>
+          </a:p>
+          <a:p>
+            <a:pPr algn="ctr"/>
+            <a:r>
+              <a:rPr lang="en-IE" sz="800" dirty="0"/>
+              <a:t>Oculus  </a:t>
+            </a:r>
+            <a:r>
+              <a:rPr lang="en-IE" sz="800" u="sng" dirty="0">
+                <a:hlinkClick r:id="rId11"/>
+              </a:rPr>
+              <a:t>https://www.google.com/search?q=oculus+2012+kickstarer&amp;tbm=isch&amp;ved=2ahUKEwiY1pfA0anpAhUEQRUIHbOOC8QQ2-cCegQIABAA&amp;oq=oculus+2012+kickstarer&amp;gs_lcp=CgNpbWcQAzoECAAQHjoGCAAQCBAeUNyAAVizlAFgjJUBaABwAHgAgAFsiAG5B5IBBDEwLjGYAQCgAQGqAQtnd3Mtd2l6LWltZw&amp;sclient=img&amp;ei=KSG4XtidKISC1fAPs52uoAw&amp;bih=910&amp;biw=958#imgrc=q9k5Jw2ub6bx9M</a:t>
+            </a:r>
+            <a:r>
+              <a:rPr lang="en-IE" sz="800" dirty="0"/>
+              <a:t> </a:t>
+            </a:r>
+          </a:p>
+          <a:p>
+            <a:pPr algn="ctr"/>
+            <a:r>
+              <a:rPr lang="en-IE" sz="800" dirty="0" err="1"/>
+              <a:t>Pimax</a:t>
+            </a:r>
+            <a:r>
+              <a:rPr lang="en-IE" sz="800" dirty="0"/>
+              <a:t> 8k </a:t>
+            </a:r>
+            <a:r>
+              <a:rPr lang="en-IE" sz="800" u="sng" dirty="0">
+                <a:hlinkClick r:id="rId12"/>
+              </a:rPr>
+              <a:t>https://www.google.com/search?q=pimax+8k+headset&amp;tbm=isch&amp;sxsrf=ALeKk02cLb3vIVtB7LvpSIvRhejJBFVl-Q:1589207163660&amp;source=lnms&amp;sa=X&amp;ved=0ahUKEwiDm9uDgqzpAhWRVBUIHba5BJ4Q_AUIECgD&amp;biw=1920&amp;bih=969&amp;dpr=1#imgrc=Bs_nHV3mu84G-M</a:t>
+            </a:r>
+            <a:r>
+              <a:rPr lang="en-IE" sz="800" dirty="0"/>
+              <a:t> </a:t>
+            </a:r>
+          </a:p>
+          <a:p>
+            <a:pPr algn="ctr"/>
+            <a:r>
+              <a:rPr lang="en-IE" sz="800" dirty="0"/>
+              <a:t>5g </a:t>
+            </a:r>
+            <a:r>
+              <a:rPr lang="en-IE" sz="800" u="sng" dirty="0">
+                <a:hlinkClick r:id="rId13"/>
+              </a:rPr>
+              <a:t>https://www.google.com/search?q=5g+tower&amp;tbm=isch&amp;ved=2ahUKEwje-pG9gqzpAhVUQ8AKHR6lD7YQ2-cCegQIABAA&amp;oq=5g+tower&amp;gs_lcp=CgNpbWcQAzIECAAQQzIECAAQQzIECAAQQzIECAAQQzIECAAQQzIECAAQQzIECAAQQzICCAAyAggAMgQIABBDUKIJWMISYM0TaABwAHgAgAHpAYgB9gSSAQUxLjIuMZgBAKABAaoBC2d3cy13aXotaW1n&amp;sclient=img&amp;ei=9GC5Xt6wBdSGgQaeyr6wCw&amp;bih=920&amp;biw=1920#imgrc=_nnozgqVMrIvkM</a:t>
+            </a:r>
+            <a:endParaRPr lang="en-IE" sz="800" dirty="0"/>
+          </a:p>
+          <a:p>
+            <a:pPr marL="0" indent="0" algn="ctr">
+              <a:buNone/>
+            </a:pPr>
+            <a:endParaRPr lang="en-IE" sz="800" dirty="0"/>
+          </a:p>
+          <a:p>
+            <a:pPr algn="ctr"/>
+            <a:r>
+              <a:rPr lang="en-IE" sz="800" dirty="0" err="1"/>
+              <a:t>kat</a:t>
+            </a:r>
+            <a:r>
+              <a:rPr lang="en-IE" sz="800" dirty="0"/>
+              <a:t> loco </a:t>
+            </a:r>
+            <a:r>
+              <a:rPr lang="en-IE" sz="800" u="sng" dirty="0">
+                <a:hlinkClick r:id="rId14"/>
+              </a:rPr>
+              <a:t>https://www.google.com/search?q=kat+loco&amp;hl=en&amp;sxsrf=ALeKk01GGkO6oS8DhAGDRfIvsDwBZ3hZmw:1589207411900&amp;source=lnms&amp;tbm=isch&amp;sa=X&amp;ved=2ahUKEwjcwYr6gqzpAhUSsHEKHeKzCP8Q_AUoAXoECAoQAw&amp;biw=1920&amp;bih=920#imgrc=tEUjJm5KqDxQFM</a:t>
+            </a:r>
+            <a:r>
+              <a:rPr lang="en-IE" sz="800" dirty="0"/>
+              <a:t> </a:t>
+            </a:r>
+          </a:p>
+          <a:p>
+            <a:pPr algn="ctr"/>
+            <a:r>
+              <a:rPr lang="en-IE" sz="800" dirty="0" err="1"/>
+              <a:t>vr</a:t>
+            </a:r>
+            <a:r>
+              <a:rPr lang="en-IE" sz="800" dirty="0"/>
+              <a:t> </a:t>
+            </a:r>
+            <a:r>
+              <a:rPr lang="en-IE" sz="800" dirty="0" err="1"/>
+              <a:t>gluv</a:t>
+            </a:r>
+            <a:r>
+              <a:rPr lang="en-IE" sz="800" dirty="0"/>
+              <a:t>  </a:t>
+            </a:r>
+            <a:r>
+              <a:rPr lang="en-IE" sz="800" u="sng" dirty="0">
+                <a:hlinkClick r:id="rId15"/>
+              </a:rPr>
+              <a:t>https://www.google.com/search?q=vrgluv&amp;sxsrf=ALeKk00RVQDmHR3GgrdLD0mEgl8m48__UQ:1589207494330&amp;source=lnms&amp;tbm=isch&amp;sa=X&amp;ved=2ahUKEwiI0bGhg6zpAhVeQhUIHTegBsIQ_AUoAXoECAwQAw&amp;biw=1920&amp;bih=920#imgrc=8NGXBBoK53CbrM</a:t>
+            </a:r>
+            <a:endParaRPr lang="en-IE" sz="800" dirty="0"/>
+          </a:p>
+          <a:p>
+            <a:pPr algn="ctr"/>
+            <a:r>
+              <a:rPr lang="en-IE" sz="800" dirty="0"/>
+              <a:t>tesla suit </a:t>
+            </a:r>
+            <a:r>
+              <a:rPr lang="en-IE" sz="800" u="sng" dirty="0">
+                <a:hlinkClick r:id="rId16"/>
+              </a:rPr>
+              <a:t>https://www.google.com/search?q=tesla+suit&amp;sxsrf=ALeKk02_0p51xDq1wXZ3M-J24T5OYUVd9A:1589207585925&amp;source=lnms&amp;tbm=isch&amp;sa=X&amp;ved=2ahUKEwjQlYjNg6zpAhWTUBUIHT8nB7EQ_AUoAXoECAoQAw&amp;biw=1920&amp;bih=920#imgrc=MiEK-Fq4lk31LM</a:t>
+            </a:r>
+            <a:r>
+              <a:rPr lang="en-IE" sz="800" dirty="0"/>
+              <a:t> </a:t>
+            </a:r>
+          </a:p>
+          <a:p>
+            <a:pPr algn="ctr"/>
+            <a:r>
+              <a:rPr lang="en-IE" sz="800" dirty="0"/>
+              <a:t>future </a:t>
+            </a:r>
+            <a:r>
+              <a:rPr lang="en-IE" sz="800" dirty="0" err="1"/>
+              <a:t>vr</a:t>
+            </a:r>
+            <a:r>
+              <a:rPr lang="en-IE" sz="800" dirty="0"/>
+              <a:t> headsets </a:t>
+            </a:r>
+            <a:r>
+              <a:rPr lang="en-IE" sz="800" u="sng" dirty="0">
+                <a:hlinkClick r:id="rId17"/>
+              </a:rPr>
+              <a:t>https://www.google.com/search?q=future+vr+headset&amp;sxsrf=ALeKk01zQzHuVstWYecCfQJWkAVMvVejlw:1589207913934&amp;source=lnms&amp;tbm=isch&amp;sa=X&amp;ved=2ahUKEwimnrzphKzpAhU3QxUIHRe4Cb8Q_AUoAXoECBIQAw&amp;biw=1920&amp;bih=920#imgrc=dXg4jlhLRxZTqM</a:t>
+            </a:r>
+            <a:r>
+              <a:rPr lang="en-IE" sz="800" dirty="0"/>
+              <a:t> </a:t>
+            </a:r>
+          </a:p>
+          <a:p>
+            <a:pPr algn="ctr"/>
+            <a:r>
+              <a:rPr lang="en-IE" sz="800" dirty="0"/>
+              <a:t>ready player one </a:t>
+            </a:r>
+            <a:r>
+              <a:rPr lang="en-IE" sz="800" u="sng" dirty="0">
+                <a:hlinkClick r:id="rId18"/>
+              </a:rPr>
+              <a:t>https://www.google.com/search?q=ready+player+one+real+world&amp;tbm=isch&amp;ved=2ahUKEwjB9eqYhazpAhVeXRUIHRRgAdcQ2-cCegQIABAA&amp;oq=ready+player+one+real+world&amp;gs_lcp=CgNpbWcQAzICCAAyBAgAEBg6BAgjECc6BQgAEIMBOgQIABBDOgcIIxDqAhAnOgYIABAFEB46BggAEAgQHjoECAAQHlDWwAFYy_YBYIL4AWgHcAB4AIAB8QKIAeUhkgEJMTYuMTQuMi4ymAEAoAEBqgELZ3dzLXdpei1pbWewAQo&amp;sclient=img&amp;ei=zWO5XoHbD9661fAPlMCFuA0&amp;bih=920&amp;biw=1920#imgrc=Gdy_I10bpQxf6M</a:t>
+            </a:r>
+            <a:endParaRPr lang="en-IE" sz="800" dirty="0"/>
+          </a:p>
+          <a:p>
+            <a:endParaRPr lang="en-IE" sz="800" dirty="0"/>
+          </a:p>
+        </p:txBody>
+      </p:sp>
+      <p:sp>
+        <p:nvSpPr>
+          <p:cNvPr id="5" name="TextBox 4">
+            <a:extLst>
+              <a:ext uri="{FF2B5EF4-FFF2-40B4-BE49-F238E27FC236}">
+                <a16:creationId xmlns:a16="http://schemas.microsoft.com/office/drawing/2014/main" id="{60EF1BC5-84F4-4646-A3E5-21CA690C2969}"/>
+              </a:ext>
+            </a:extLst>
+          </p:cNvPr>
+          <p:cNvSpPr txBox="1"/>
+          <p:nvPr/>
+        </p:nvSpPr>
+        <p:spPr>
+          <a:xfrm>
+            <a:off x="5285064" y="192947"/>
+            <a:ext cx="3431097" cy="369332"/>
+          </a:xfrm>
+          <a:prstGeom prst="rect">
+            <a:avLst/>
+          </a:prstGeom>
+          <a:noFill/>
+        </p:spPr>
+        <p:txBody>
+          <a:bodyPr wrap="square" rtlCol="0">
+            <a:spAutoFit/>
+          </a:bodyPr>
+          <a:lstStyle/>
+          <a:p>
+            <a:r>
+              <a:rPr lang="en-IE" dirty="0"/>
+              <a:t>Images Used</a:t>
+            </a:r>
+          </a:p>
+        </p:txBody>
+      </p:sp>
+    </p:spTree>
+    <p:extLst>
+      <p:ext uri="{BB962C8B-B14F-4D97-AF65-F5344CB8AC3E}">
+        <p14:creationId xmlns:p14="http://schemas.microsoft.com/office/powerpoint/2010/main" val="3819778276"/>
+      </p:ext>
+    </p:extLst>
+  </p:cSld>
+  <p:clrMapOvr>
+    <a:masterClrMapping/>
+  </p:clrMapOvr>
+</p:sld>
+</file>
+
 <file path=ppt/theme/theme1.xml><?xml version="1.0" encoding="utf-8"?>
 <a:theme xmlns:a="http://schemas.openxmlformats.org/drawingml/2006/main" name="Office Theme">
   <a:themeElements>
